--- a/presentation_slides/Präsentation3.pptx
+++ b/presentation_slides/Präsentation3.pptx
@@ -5,7 +5,7 @@
     <p:sldMasterId id="2147483649" r:id="rId5"/>
   </p:sldMasterIdLst>
   <p:notesMasterIdLst>
-    <p:notesMasterId r:id="rId30"/>
+    <p:notesMasterId r:id="rId29"/>
   </p:notesMasterIdLst>
   <p:sldIdLst>
     <p:sldId id="256" r:id="rId6"/>
@@ -29,9 +29,8 @@
     <p:sldId id="343" r:id="rId24"/>
     <p:sldId id="347" r:id="rId25"/>
     <p:sldId id="303" r:id="rId26"/>
-    <p:sldId id="348" r:id="rId27"/>
-    <p:sldId id="344" r:id="rId28"/>
-    <p:sldId id="262" r:id="rId29"/>
+    <p:sldId id="344" r:id="rId27"/>
+    <p:sldId id="262" r:id="rId28"/>
   </p:sldIdLst>
   <p:sldSz cx="9144000" cy="6858000" type="screen4x3"/>
   <p:notesSz cx="6858000" cy="9144000"/>
@@ -3429,7 +3428,7 @@
             <a:fld id="{FCC8D861-C41A-4722-8CCA-B5F2A6EB3AB2}" type="datetime1">
               <a:rPr lang="en-US"/>
               <a:pPr/>
-              <a:t>7/8/2019</a:t>
+              <a:t>7/9/2019</a:t>
             </a:fld>
             <a:endParaRPr lang="en-US" sz="1400">
               <a:latin typeface="Times New Roman" pitchFamily="18" charset="0"/>
@@ -4163,7 +4162,7 @@
                 <a:latin typeface="Arial" pitchFamily="34" charset="0"/>
               </a:rPr>
               <a:pPr/>
-              <a:t>7/8/2019</a:t>
+              <a:t>7/9/2019</a:t>
             </a:fld>
             <a:r>
               <a:rPr lang="en-US" sz="900">
@@ -4756,7 +4755,7 @@
                 <a:latin typeface="Arial" pitchFamily="34" charset="0"/>
               </a:rPr>
               <a:pPr/>
-              <a:t>7/8/2019</a:t>
+              <a:t>7/9/2019</a:t>
             </a:fld>
             <a:r>
               <a:rPr lang="en-US" sz="900">
@@ -6091,7 +6090,7 @@
                 <a:latin typeface="Arial" pitchFamily="34" charset="0"/>
               </a:rPr>
               <a:pPr/>
-              <a:t>7/8/2019</a:t>
+              <a:t>7/9/2019</a:t>
             </a:fld>
             <a:r>
               <a:rPr lang="en-US" sz="900">
@@ -7059,7 +7058,7 @@
                 <a:latin typeface="Arial" pitchFamily="34" charset="0"/>
               </a:rPr>
               <a:pPr eaLnBrk="1" hangingPunct="1"/>
-              <a:t>7/8/2019</a:t>
+              <a:t>7/9/2019</a:t>
             </a:fld>
             <a:endParaRPr lang="en-US" sz="1400" dirty="0">
               <a:solidFill>
@@ -18002,1560 +18001,6 @@
             </a:pPr>
             <a:r>
               <a:rPr lang="de-DE" kern="0" dirty="0"/>
-              <a:t>Summary</a:t>
-            </a:r>
-          </a:p>
-        </p:txBody>
-      </p:sp>
-      <p:sp>
-        <p:nvSpPr>
-          <p:cNvPr id="4" name="Rectangle 1">
-            <a:extLst>
-              <a:ext uri="{FF2B5EF4-FFF2-40B4-BE49-F238E27FC236}">
-                <a16:creationId xmlns:a16="http://schemas.microsoft.com/office/drawing/2014/main" id="{644A0079-4098-4190-BAC9-602907AEB05B}"/>
-              </a:ext>
-            </a:extLst>
-          </p:cNvPr>
-          <p:cNvSpPr>
-            <a:spLocks noChangeArrowheads="1"/>
-          </p:cNvSpPr>
-          <p:nvPr/>
-        </p:nvSpPr>
-        <p:spPr bwMode="auto">
-          <a:xfrm>
-            <a:off x="971600" y="1336557"/>
-            <a:ext cx="8064896" cy="4965381"/>
-          </a:xfrm>
-          <a:prstGeom prst="rect">
-            <a:avLst/>
-          </a:prstGeom>
-          <a:solidFill>
-            <a:srgbClr val="F8F8F8"/>
-          </a:solidFill>
-          <a:ln>
-            <a:noFill/>
-          </a:ln>
-          <a:effectLst/>
-          <a:extLst>
-            <a:ext uri="{91240B29-F687-4F45-9708-019B960494DF}">
-              <a14:hiddenLine xmlns:a14="http://schemas.microsoft.com/office/drawing/2010/main" w="9525">
-                <a:solidFill>
-                  <a:schemeClr val="tx1"/>
-                </a:solidFill>
-                <a:miter lim="800000"/>
-                <a:headEnd/>
-                <a:tailEnd/>
-              </a14:hiddenLine>
-            </a:ext>
-            <a:ext uri="{AF507438-7753-43E0-B8FC-AC1667EBCBE1}">
-              <a14:hiddenEffects xmlns:a14="http://schemas.microsoft.com/office/drawing/2010/main">
-                <a:effectLst>
-                  <a:outerShdw dist="35921" dir="2700000" algn="ctr" rotWithShape="0">
-                    <a:schemeClr val="bg2"/>
-                  </a:outerShdw>
-                </a:effectLst>
-              </a14:hiddenEffects>
-            </a:ext>
-          </a:extLst>
-        </p:spPr>
-        <p:txBody>
-          <a:bodyPr vert="horz" wrap="square" lIns="0" tIns="190440" rIns="0" bIns="63480" numCol="1" anchor="ctr" anchorCtr="0" compatLnSpc="1">
-            <a:prstTxWarp prst="textNoShape">
-              <a:avLst/>
-            </a:prstTxWarp>
-            <a:spAutoFit/>
-          </a:bodyPr>
-          <a:lstStyle>
-            <a:lvl1pPr eaLnBrk="0" hangingPunct="0">
-              <a:defRPr>
-                <a:solidFill>
-                  <a:schemeClr val="tx1"/>
-                </a:solidFill>
-                <a:latin typeface="Arial" panose="020B0604020202020204" pitchFamily="34" charset="0"/>
-              </a:defRPr>
-            </a:lvl1pPr>
-            <a:lvl2pPr eaLnBrk="0" hangingPunct="0">
-              <a:defRPr>
-                <a:solidFill>
-                  <a:schemeClr val="tx1"/>
-                </a:solidFill>
-                <a:latin typeface="Arial" panose="020B0604020202020204" pitchFamily="34" charset="0"/>
-              </a:defRPr>
-            </a:lvl2pPr>
-            <a:lvl3pPr eaLnBrk="0" hangingPunct="0">
-              <a:defRPr>
-                <a:solidFill>
-                  <a:schemeClr val="tx1"/>
-                </a:solidFill>
-                <a:latin typeface="Arial" panose="020B0604020202020204" pitchFamily="34" charset="0"/>
-              </a:defRPr>
-            </a:lvl3pPr>
-            <a:lvl4pPr eaLnBrk="0" hangingPunct="0">
-              <a:defRPr>
-                <a:solidFill>
-                  <a:schemeClr val="tx1"/>
-                </a:solidFill>
-                <a:latin typeface="Arial" panose="020B0604020202020204" pitchFamily="34" charset="0"/>
-              </a:defRPr>
-            </a:lvl4pPr>
-            <a:lvl5pPr eaLnBrk="0" hangingPunct="0">
-              <a:defRPr>
-                <a:solidFill>
-                  <a:schemeClr val="tx1"/>
-                </a:solidFill>
-                <a:latin typeface="Arial" panose="020B0604020202020204" pitchFamily="34" charset="0"/>
-              </a:defRPr>
-            </a:lvl5pPr>
-            <a:lvl6pPr eaLnBrk="0" fontAlgn="base" hangingPunct="0">
-              <a:spcBef>
-                <a:spcPct val="0"/>
-              </a:spcBef>
-              <a:spcAft>
-                <a:spcPct val="0"/>
-              </a:spcAft>
-              <a:defRPr>
-                <a:solidFill>
-                  <a:schemeClr val="tx1"/>
-                </a:solidFill>
-                <a:latin typeface="Arial" panose="020B0604020202020204" pitchFamily="34" charset="0"/>
-              </a:defRPr>
-            </a:lvl6pPr>
-            <a:lvl7pPr eaLnBrk="0" fontAlgn="base" hangingPunct="0">
-              <a:spcBef>
-                <a:spcPct val="0"/>
-              </a:spcBef>
-              <a:spcAft>
-                <a:spcPct val="0"/>
-              </a:spcAft>
-              <a:defRPr>
-                <a:solidFill>
-                  <a:schemeClr val="tx1"/>
-                </a:solidFill>
-                <a:latin typeface="Arial" panose="020B0604020202020204" pitchFamily="34" charset="0"/>
-              </a:defRPr>
-            </a:lvl7pPr>
-            <a:lvl8pPr eaLnBrk="0" fontAlgn="base" hangingPunct="0">
-              <a:spcBef>
-                <a:spcPct val="0"/>
-              </a:spcBef>
-              <a:spcAft>
-                <a:spcPct val="0"/>
-              </a:spcAft>
-              <a:defRPr>
-                <a:solidFill>
-                  <a:schemeClr val="tx1"/>
-                </a:solidFill>
-                <a:latin typeface="Arial" panose="020B0604020202020204" pitchFamily="34" charset="0"/>
-              </a:defRPr>
-            </a:lvl8pPr>
-            <a:lvl9pPr eaLnBrk="0" fontAlgn="base" hangingPunct="0">
-              <a:spcBef>
-                <a:spcPct val="0"/>
-              </a:spcBef>
-              <a:spcAft>
-                <a:spcPct val="0"/>
-              </a:spcAft>
-              <a:defRPr>
-                <a:solidFill>
-                  <a:schemeClr val="tx1"/>
-                </a:solidFill>
-                <a:latin typeface="Arial" panose="020B0604020202020204" pitchFamily="34" charset="0"/>
-              </a:defRPr>
-            </a:lvl9pPr>
-          </a:lstStyle>
-          <a:p>
-            <a:pPr marL="0" marR="0" lvl="0" indent="0" algn="l" defTabSz="914400" rtl="0" eaLnBrk="0" fontAlgn="base" latinLnBrk="0" hangingPunct="0">
-              <a:lnSpc>
-                <a:spcPct val="100000"/>
-              </a:lnSpc>
-              <a:spcBef>
-                <a:spcPct val="0"/>
-              </a:spcBef>
-              <a:spcAft>
-                <a:spcPct val="0"/>
-              </a:spcAft>
-              <a:buClrTx/>
-              <a:buSzTx/>
-              <a:buFontTx/>
-              <a:buNone/>
-              <a:tabLst/>
-            </a:pPr>
-            <a:r>
-              <a:rPr kumimoji="0" lang="de-DE" altLang="de-DE" sz="1800" b="1" i="0" u="none" strike="noStrike" cap="none" normalizeH="0" baseline="0" dirty="0" err="1">
-                <a:ln>
-                  <a:noFill/>
-                </a:ln>
-                <a:solidFill>
-                  <a:srgbClr val="222222"/>
-                </a:solidFill>
-                <a:effectLst/>
-                <a:latin typeface="Helvetica" panose="020B0604020202020204" pitchFamily="34" charset="0"/>
-              </a:rPr>
-              <a:t>Steps</a:t>
-            </a:r>
-            <a:r>
-              <a:rPr kumimoji="0" lang="de-DE" altLang="de-DE" sz="1800" b="1" i="0" u="none" strike="noStrike" cap="none" normalizeH="0" baseline="0" dirty="0">
-                <a:ln>
-                  <a:noFill/>
-                </a:ln>
-                <a:solidFill>
-                  <a:srgbClr val="222222"/>
-                </a:solidFill>
-                <a:effectLst/>
-                <a:latin typeface="Helvetica" panose="020B0604020202020204" pitchFamily="34" charset="0"/>
-              </a:rPr>
-              <a:t> </a:t>
-            </a:r>
-            <a:r>
-              <a:rPr kumimoji="0" lang="de-DE" altLang="de-DE" sz="1800" b="1" i="0" u="none" strike="noStrike" cap="none" normalizeH="0" baseline="0" dirty="0" err="1">
-                <a:ln>
-                  <a:noFill/>
-                </a:ln>
-                <a:solidFill>
-                  <a:srgbClr val="222222"/>
-                </a:solidFill>
-                <a:effectLst/>
-                <a:latin typeface="Helvetica" panose="020B0604020202020204" pitchFamily="34" charset="0"/>
-              </a:rPr>
-              <a:t>of</a:t>
-            </a:r>
-            <a:r>
-              <a:rPr kumimoji="0" lang="de-DE" altLang="de-DE" sz="1800" b="1" i="0" u="none" strike="noStrike" cap="none" normalizeH="0" baseline="0" dirty="0">
-                <a:ln>
-                  <a:noFill/>
-                </a:ln>
-                <a:solidFill>
-                  <a:srgbClr val="222222"/>
-                </a:solidFill>
-                <a:effectLst/>
-                <a:latin typeface="Helvetica" panose="020B0604020202020204" pitchFamily="34" charset="0"/>
-              </a:rPr>
-              <a:t> </a:t>
-            </a:r>
-            <a:r>
-              <a:rPr kumimoji="0" lang="de-DE" altLang="de-DE" sz="1800" b="1" i="0" u="none" strike="noStrike" cap="none" normalizeH="0" baseline="0" dirty="0" err="1">
-                <a:ln>
-                  <a:noFill/>
-                </a:ln>
-                <a:solidFill>
-                  <a:srgbClr val="222222"/>
-                </a:solidFill>
-                <a:effectLst/>
-                <a:latin typeface="Helvetica" panose="020B0604020202020204" pitchFamily="34" charset="0"/>
-              </a:rPr>
-              <a:t>creating</a:t>
-            </a:r>
-            <a:r>
-              <a:rPr kumimoji="0" lang="de-DE" altLang="de-DE" sz="1800" b="1" i="0" u="none" strike="noStrike" cap="none" normalizeH="0" baseline="0" dirty="0">
-                <a:ln>
-                  <a:noFill/>
-                </a:ln>
-                <a:solidFill>
-                  <a:srgbClr val="222222"/>
-                </a:solidFill>
-                <a:effectLst/>
-                <a:latin typeface="Helvetica" panose="020B0604020202020204" pitchFamily="34" charset="0"/>
-              </a:rPr>
-              <a:t> a Image </a:t>
-            </a:r>
-            <a:r>
-              <a:rPr kumimoji="0" lang="de-DE" altLang="de-DE" sz="1800" b="1" i="0" u="none" strike="noStrike" cap="none" normalizeH="0" baseline="0" dirty="0" err="1">
-                <a:ln>
-                  <a:noFill/>
-                </a:ln>
-                <a:solidFill>
-                  <a:srgbClr val="222222"/>
-                </a:solidFill>
-                <a:effectLst/>
-                <a:latin typeface="Helvetica" panose="020B0604020202020204" pitchFamily="34" charset="0"/>
-              </a:rPr>
-              <a:t>Classifier</a:t>
-            </a:r>
-            <a:r>
-              <a:rPr kumimoji="0" lang="de-DE" altLang="de-DE" sz="1800" b="1" i="0" u="none" strike="noStrike" cap="none" normalizeH="0" baseline="0" dirty="0">
-                <a:ln>
-                  <a:noFill/>
-                </a:ln>
-                <a:solidFill>
-                  <a:srgbClr val="222222"/>
-                </a:solidFill>
-                <a:effectLst/>
-                <a:latin typeface="Helvetica" panose="020B0604020202020204" pitchFamily="34" charset="0"/>
-              </a:rPr>
-              <a:t>:</a:t>
-            </a:r>
-          </a:p>
-          <a:p>
-            <a:pPr marL="0" marR="0" lvl="0" indent="0" algn="l" defTabSz="914400" rtl="0" eaLnBrk="0" fontAlgn="base" latinLnBrk="0" hangingPunct="0">
-              <a:lnSpc>
-                <a:spcPct val="100000"/>
-              </a:lnSpc>
-              <a:spcBef>
-                <a:spcPct val="0"/>
-              </a:spcBef>
-              <a:spcAft>
-                <a:spcPct val="0"/>
-              </a:spcAft>
-              <a:buClrTx/>
-              <a:buSzTx/>
-              <a:buFontTx/>
-              <a:buNone/>
-              <a:tabLst/>
-            </a:pPr>
-            <a:endParaRPr lang="de-DE" altLang="de-DE" sz="1800" b="1" dirty="0">
-              <a:solidFill>
-                <a:srgbClr val="222222"/>
-              </a:solidFill>
-              <a:latin typeface="Helvetica" panose="020B0604020202020204" pitchFamily="34" charset="0"/>
-            </a:endParaRPr>
-          </a:p>
-          <a:p>
-            <a:pPr marL="0" marR="0" lvl="0" indent="0" algn="l" defTabSz="914400" rtl="0" eaLnBrk="0" fontAlgn="base" latinLnBrk="0" hangingPunct="0">
-              <a:lnSpc>
-                <a:spcPct val="100000"/>
-              </a:lnSpc>
-              <a:spcBef>
-                <a:spcPct val="0"/>
-              </a:spcBef>
-              <a:spcAft>
-                <a:spcPct val="0"/>
-              </a:spcAft>
-              <a:buClrTx/>
-              <a:buSzTx/>
-              <a:buFontTx/>
-              <a:buNone/>
-              <a:tabLst/>
-            </a:pPr>
-            <a:endParaRPr kumimoji="0" lang="de-DE" altLang="de-DE" sz="1800" b="0" i="0" u="none" strike="noStrike" cap="none" normalizeH="0" baseline="0" dirty="0">
-              <a:ln>
-                <a:noFill/>
-              </a:ln>
-              <a:solidFill>
-                <a:schemeClr val="tx1"/>
-              </a:solidFill>
-              <a:effectLst/>
-            </a:endParaRPr>
-          </a:p>
-          <a:p>
-            <a:pPr marL="0" marR="0" lvl="0" indent="0" algn="l" defTabSz="914400" rtl="0" eaLnBrk="0" fontAlgn="base" latinLnBrk="0" hangingPunct="0">
-              <a:lnSpc>
-                <a:spcPct val="100000"/>
-              </a:lnSpc>
-              <a:spcBef>
-                <a:spcPct val="0"/>
-              </a:spcBef>
-              <a:spcAft>
-                <a:spcPct val="0"/>
-              </a:spcAft>
-              <a:buClrTx/>
-              <a:buSzTx/>
-              <a:buFontTx/>
-              <a:buNone/>
-              <a:tabLst/>
-            </a:pPr>
-            <a:r>
-              <a:rPr kumimoji="0" lang="de-DE" altLang="de-DE" sz="1800" b="1" i="0" u="none" strike="noStrike" cap="none" normalizeH="0" baseline="0" dirty="0">
-                <a:ln>
-                  <a:noFill/>
-                </a:ln>
-                <a:solidFill>
-                  <a:srgbClr val="222222"/>
-                </a:solidFill>
-                <a:effectLst/>
-                <a:latin typeface="Helvetica" panose="020B0604020202020204" pitchFamily="34" charset="0"/>
-              </a:rPr>
-              <a:t>1. Import </a:t>
-            </a:r>
-            <a:r>
-              <a:rPr kumimoji="0" lang="de-DE" altLang="de-DE" sz="1800" b="1" i="0" u="none" strike="noStrike" cap="none" normalizeH="0" baseline="0" dirty="0" err="1">
-                <a:ln>
-                  <a:noFill/>
-                </a:ln>
-                <a:solidFill>
-                  <a:srgbClr val="222222"/>
-                </a:solidFill>
-                <a:effectLst/>
-                <a:latin typeface="Helvetica" panose="020B0604020202020204" pitchFamily="34" charset="0"/>
-              </a:rPr>
-              <a:t>data</a:t>
-            </a:r>
-            <a:endParaRPr kumimoji="0" lang="de-DE" altLang="de-DE" sz="1800" b="0" i="0" u="none" strike="noStrike" cap="none" normalizeH="0" baseline="0" dirty="0">
-              <a:ln>
-                <a:noFill/>
-              </a:ln>
-              <a:solidFill>
-                <a:srgbClr val="333333"/>
-              </a:solidFill>
-              <a:effectLst/>
-              <a:latin typeface="Consolas" panose="020B0609020204030204" pitchFamily="49" charset="0"/>
-            </a:endParaRPr>
-          </a:p>
-          <a:p>
-            <a:pPr marL="0" marR="0" lvl="0" indent="0" algn="l" defTabSz="914400" rtl="0" eaLnBrk="0" fontAlgn="base" latinLnBrk="0" hangingPunct="0">
-              <a:lnSpc>
-                <a:spcPct val="100000"/>
-              </a:lnSpc>
-              <a:spcBef>
-                <a:spcPct val="0"/>
-              </a:spcBef>
-              <a:spcAft>
-                <a:spcPct val="0"/>
-              </a:spcAft>
-              <a:buClrTx/>
-              <a:buSzTx/>
-              <a:buFontTx/>
-              <a:buNone/>
-              <a:tabLst/>
-            </a:pPr>
-            <a:r>
-              <a:rPr kumimoji="0" lang="de-DE" altLang="de-DE" sz="1800" b="0" i="0" u="none" strike="noStrike" cap="none" normalizeH="0" baseline="0" dirty="0" err="1">
-                <a:ln>
-                  <a:noFill/>
-                </a:ln>
-                <a:solidFill>
-                  <a:srgbClr val="333333"/>
-                </a:solidFill>
-                <a:effectLst/>
-                <a:latin typeface="Consolas" panose="020B0609020204030204" pitchFamily="49" charset="0"/>
-              </a:rPr>
-              <a:t>data</a:t>
-            </a:r>
-            <a:r>
-              <a:rPr kumimoji="0" lang="de-DE" altLang="de-DE" sz="1800" b="0" i="0" u="none" strike="noStrike" cap="none" normalizeH="0" baseline="0" dirty="0">
-                <a:ln>
-                  <a:noFill/>
-                </a:ln>
-                <a:solidFill>
-                  <a:srgbClr val="333333"/>
-                </a:solidFill>
-                <a:effectLst/>
-                <a:latin typeface="Consolas" panose="020B0609020204030204" pitchFamily="49" charset="0"/>
-              </a:rPr>
-              <a:t> = </a:t>
-            </a:r>
-            <a:r>
-              <a:rPr kumimoji="0" lang="de-DE" altLang="de-DE" sz="1800" b="0" i="0" u="none" strike="noStrike" cap="none" normalizeH="0" baseline="0" dirty="0" err="1">
-                <a:ln>
-                  <a:noFill/>
-                </a:ln>
-                <a:solidFill>
-                  <a:srgbClr val="333333"/>
-                </a:solidFill>
-                <a:effectLst/>
-                <a:latin typeface="Consolas" panose="020B0609020204030204" pitchFamily="49" charset="0"/>
-              </a:rPr>
-              <a:t>ImageDataBunch.from_name_re</a:t>
-            </a:r>
-            <a:r>
-              <a:rPr kumimoji="0" lang="de-DE" altLang="de-DE" sz="1800" b="0" i="0" u="none" strike="noStrike" cap="none" normalizeH="0" baseline="0" dirty="0">
-                <a:ln>
-                  <a:noFill/>
-                </a:ln>
-                <a:solidFill>
-                  <a:srgbClr val="333333"/>
-                </a:solidFill>
-                <a:effectLst/>
-                <a:latin typeface="Consolas" panose="020B0609020204030204" pitchFamily="49" charset="0"/>
-              </a:rPr>
-              <a:t>(...) </a:t>
-            </a:r>
-            <a:endParaRPr kumimoji="0" lang="de-DE" altLang="de-DE" sz="1800" b="0" i="0" u="none" strike="noStrike" cap="none" normalizeH="0" baseline="0" dirty="0">
-              <a:ln>
-                <a:noFill/>
-              </a:ln>
-              <a:solidFill>
-                <a:schemeClr val="tx1"/>
-              </a:solidFill>
-              <a:effectLst/>
-            </a:endParaRPr>
-          </a:p>
-          <a:p>
-            <a:pPr marL="0" marR="0" lvl="0" indent="0" algn="l" defTabSz="914400" rtl="0" eaLnBrk="0" fontAlgn="base" latinLnBrk="0" hangingPunct="0">
-              <a:lnSpc>
-                <a:spcPct val="100000"/>
-              </a:lnSpc>
-              <a:spcBef>
-                <a:spcPct val="0"/>
-              </a:spcBef>
-              <a:spcAft>
-                <a:spcPct val="0"/>
-              </a:spcAft>
-              <a:buClrTx/>
-              <a:buSzTx/>
-              <a:buFontTx/>
-              <a:buNone/>
-              <a:tabLst/>
-            </a:pPr>
-            <a:r>
-              <a:rPr kumimoji="0" lang="de-DE" altLang="de-DE" sz="1800" b="1" i="0" u="none" strike="noStrike" cap="none" normalizeH="0" baseline="0" dirty="0">
-                <a:ln>
-                  <a:noFill/>
-                </a:ln>
-                <a:solidFill>
-                  <a:srgbClr val="222222"/>
-                </a:solidFill>
-                <a:effectLst/>
-                <a:latin typeface="Helvetica" panose="020B0604020202020204" pitchFamily="34" charset="0"/>
-              </a:rPr>
-              <a:t>2. </a:t>
-            </a:r>
-            <a:r>
-              <a:rPr kumimoji="0" lang="de-DE" altLang="de-DE" sz="1800" b="1" i="0" u="none" strike="noStrike" cap="none" normalizeH="0" baseline="0" dirty="0" err="1">
-                <a:ln>
-                  <a:noFill/>
-                </a:ln>
-                <a:solidFill>
-                  <a:srgbClr val="222222"/>
-                </a:solidFill>
-                <a:effectLst/>
-                <a:latin typeface="Helvetica" panose="020B0604020202020204" pitchFamily="34" charset="0"/>
-              </a:rPr>
-              <a:t>Build</a:t>
-            </a:r>
-            <a:r>
-              <a:rPr kumimoji="0" lang="de-DE" altLang="de-DE" sz="1800" b="1" i="0" u="none" strike="noStrike" cap="none" normalizeH="0" baseline="0" dirty="0">
-                <a:ln>
-                  <a:noFill/>
-                </a:ln>
-                <a:solidFill>
-                  <a:srgbClr val="222222"/>
-                </a:solidFill>
-                <a:effectLst/>
-                <a:latin typeface="Helvetica" panose="020B0604020202020204" pitchFamily="34" charset="0"/>
-              </a:rPr>
-              <a:t> </a:t>
-            </a:r>
-            <a:r>
-              <a:rPr kumimoji="0" lang="de-DE" altLang="de-DE" sz="1800" b="1" i="0" u="none" strike="noStrike" cap="none" normalizeH="0" baseline="0" dirty="0" err="1">
-                <a:ln>
-                  <a:noFill/>
-                </a:ln>
-                <a:solidFill>
-                  <a:srgbClr val="222222"/>
-                </a:solidFill>
-                <a:effectLst/>
-                <a:latin typeface="Helvetica" panose="020B0604020202020204" pitchFamily="34" charset="0"/>
-              </a:rPr>
-              <a:t>model</a:t>
-            </a:r>
-            <a:endParaRPr kumimoji="0" lang="de-DE" altLang="de-DE" sz="1800" b="0" i="0" u="none" strike="noStrike" cap="none" normalizeH="0" baseline="0" dirty="0">
-              <a:ln>
-                <a:noFill/>
-              </a:ln>
-              <a:solidFill>
-                <a:srgbClr val="333333"/>
-              </a:solidFill>
-              <a:effectLst/>
-              <a:latin typeface="Consolas" panose="020B0609020204030204" pitchFamily="49" charset="0"/>
-            </a:endParaRPr>
-          </a:p>
-          <a:p>
-            <a:pPr marL="0" marR="0" lvl="0" indent="0" algn="l" defTabSz="914400" rtl="0" eaLnBrk="0" fontAlgn="base" latinLnBrk="0" hangingPunct="0">
-              <a:lnSpc>
-                <a:spcPct val="100000"/>
-              </a:lnSpc>
-              <a:spcBef>
-                <a:spcPct val="0"/>
-              </a:spcBef>
-              <a:spcAft>
-                <a:spcPct val="0"/>
-              </a:spcAft>
-              <a:buClrTx/>
-              <a:buSzTx/>
-              <a:buFontTx/>
-              <a:buNone/>
-              <a:tabLst/>
-            </a:pPr>
-            <a:r>
-              <a:rPr kumimoji="0" lang="de-DE" altLang="de-DE" sz="1800" b="0" i="0" u="none" strike="noStrike" cap="none" normalizeH="0" baseline="0" dirty="0" err="1">
-                <a:ln>
-                  <a:noFill/>
-                </a:ln>
-                <a:solidFill>
-                  <a:srgbClr val="333333"/>
-                </a:solidFill>
-                <a:effectLst/>
-                <a:latin typeface="Consolas" panose="020B0609020204030204" pitchFamily="49" charset="0"/>
-              </a:rPr>
-              <a:t>learn</a:t>
-            </a:r>
-            <a:r>
-              <a:rPr kumimoji="0" lang="de-DE" altLang="de-DE" sz="1800" b="0" i="0" u="none" strike="noStrike" cap="none" normalizeH="0" baseline="0" dirty="0">
-                <a:ln>
-                  <a:noFill/>
-                </a:ln>
-                <a:solidFill>
-                  <a:srgbClr val="333333"/>
-                </a:solidFill>
-                <a:effectLst/>
-                <a:latin typeface="Consolas" panose="020B0609020204030204" pitchFamily="49" charset="0"/>
-              </a:rPr>
-              <a:t> = </a:t>
-            </a:r>
-            <a:r>
-              <a:rPr kumimoji="0" lang="de-DE" altLang="de-DE" sz="1800" b="0" i="0" u="none" strike="noStrike" cap="none" normalizeH="0" baseline="0" dirty="0" err="1">
-                <a:ln>
-                  <a:noFill/>
-                </a:ln>
-                <a:solidFill>
-                  <a:srgbClr val="333333"/>
-                </a:solidFill>
-                <a:effectLst/>
-                <a:latin typeface="Consolas" panose="020B0609020204030204" pitchFamily="49" charset="0"/>
-              </a:rPr>
-              <a:t>create_cnn</a:t>
-            </a:r>
-            <a:r>
-              <a:rPr kumimoji="0" lang="de-DE" altLang="de-DE" sz="1800" b="0" i="0" u="none" strike="noStrike" cap="none" normalizeH="0" baseline="0" dirty="0">
-                <a:ln>
-                  <a:noFill/>
-                </a:ln>
-                <a:solidFill>
-                  <a:srgbClr val="333333"/>
-                </a:solidFill>
-                <a:effectLst/>
-                <a:latin typeface="Consolas" panose="020B0609020204030204" pitchFamily="49" charset="0"/>
-              </a:rPr>
-              <a:t>(...)</a:t>
-            </a:r>
-          </a:p>
-          <a:p>
-            <a:pPr lvl="0"/>
-            <a:r>
-              <a:rPr lang="de-DE" altLang="de-DE" sz="1800" b="1" dirty="0">
-                <a:solidFill>
-                  <a:srgbClr val="222222"/>
-                </a:solidFill>
-                <a:latin typeface="Helvetica" panose="020B0604020202020204" pitchFamily="34" charset="0"/>
-              </a:rPr>
-              <a:t>3. Train </a:t>
-            </a:r>
-            <a:r>
-              <a:rPr lang="de-DE" altLang="de-DE" sz="1800" b="1" dirty="0" err="1">
-                <a:solidFill>
-                  <a:srgbClr val="222222"/>
-                </a:solidFill>
-                <a:latin typeface="Helvetica" panose="020B0604020202020204" pitchFamily="34" charset="0"/>
-              </a:rPr>
-              <a:t>model</a:t>
-            </a:r>
-            <a:endParaRPr lang="de-DE" altLang="de-DE" sz="1800" dirty="0">
-              <a:solidFill>
-                <a:srgbClr val="333333"/>
-              </a:solidFill>
-              <a:latin typeface="Consolas" panose="020B0609020204030204" pitchFamily="49" charset="0"/>
-            </a:endParaRPr>
-          </a:p>
-          <a:p>
-            <a:pPr lvl="0"/>
-            <a:r>
-              <a:rPr lang="de-DE" altLang="de-DE" sz="1800" dirty="0" err="1">
-                <a:solidFill>
-                  <a:srgbClr val="333333"/>
-                </a:solidFill>
-                <a:latin typeface="Consolas" panose="020B0609020204030204" pitchFamily="49" charset="0"/>
-              </a:rPr>
-              <a:t>learn</a:t>
-            </a:r>
-            <a:r>
-              <a:rPr lang="de-DE" altLang="de-DE" sz="1800" dirty="0">
-                <a:solidFill>
-                  <a:srgbClr val="333333"/>
-                </a:solidFill>
-                <a:latin typeface="Consolas" panose="020B0609020204030204" pitchFamily="49" charset="0"/>
-              </a:rPr>
-              <a:t> = </a:t>
-            </a:r>
-            <a:r>
-              <a:rPr lang="de-DE" altLang="de-DE" sz="1800" dirty="0" err="1">
-                <a:solidFill>
-                  <a:srgbClr val="333333"/>
-                </a:solidFill>
-                <a:latin typeface="Consolas" panose="020B0609020204030204" pitchFamily="49" charset="0"/>
-              </a:rPr>
-              <a:t>fit_one_cycle</a:t>
-            </a:r>
-            <a:r>
-              <a:rPr lang="de-DE" altLang="de-DE" sz="1800" dirty="0">
-                <a:solidFill>
-                  <a:srgbClr val="333333"/>
-                </a:solidFill>
-                <a:latin typeface="Consolas" panose="020B0609020204030204" pitchFamily="49" charset="0"/>
-              </a:rPr>
-              <a:t>(...)</a:t>
-            </a:r>
-            <a:endParaRPr kumimoji="0" lang="de-DE" altLang="de-DE" sz="1800" b="0" i="0" u="none" strike="noStrike" cap="none" normalizeH="0" baseline="0" dirty="0">
-              <a:ln>
-                <a:noFill/>
-              </a:ln>
-              <a:solidFill>
-                <a:schemeClr val="tx1"/>
-              </a:solidFill>
-              <a:effectLst/>
-            </a:endParaRPr>
-          </a:p>
-          <a:p>
-            <a:pPr marL="0" marR="0" lvl="0" indent="0" algn="l" defTabSz="914400" rtl="0" eaLnBrk="0" fontAlgn="base" latinLnBrk="0" hangingPunct="0">
-              <a:lnSpc>
-                <a:spcPct val="100000"/>
-              </a:lnSpc>
-              <a:spcBef>
-                <a:spcPct val="0"/>
-              </a:spcBef>
-              <a:spcAft>
-                <a:spcPct val="0"/>
-              </a:spcAft>
-              <a:buClrTx/>
-              <a:buSzTx/>
-              <a:buFontTx/>
-              <a:buNone/>
-              <a:tabLst/>
-            </a:pPr>
-            <a:r>
-              <a:rPr lang="de-DE" altLang="de-DE" sz="1800" b="1" dirty="0">
-                <a:solidFill>
-                  <a:srgbClr val="222222"/>
-                </a:solidFill>
-                <a:latin typeface="Helvetica" panose="020B0604020202020204" pitchFamily="34" charset="0"/>
-              </a:rPr>
-              <a:t>4</a:t>
-            </a:r>
-            <a:r>
-              <a:rPr kumimoji="0" lang="de-DE" altLang="de-DE" sz="1800" b="1" i="0" u="none" strike="noStrike" cap="none" normalizeH="0" baseline="0" dirty="0">
-                <a:ln>
-                  <a:noFill/>
-                </a:ln>
-                <a:solidFill>
-                  <a:srgbClr val="222222"/>
-                </a:solidFill>
-                <a:effectLst/>
-                <a:latin typeface="Helvetica" panose="020B0604020202020204" pitchFamily="34" charset="0"/>
-              </a:rPr>
-              <a:t>. </a:t>
-            </a:r>
-            <a:r>
-              <a:rPr kumimoji="0" lang="de-DE" altLang="de-DE" sz="1800" b="1" i="0" u="none" strike="noStrike" cap="none" normalizeH="0" baseline="0" dirty="0" err="1">
-                <a:ln>
-                  <a:noFill/>
-                </a:ln>
-                <a:solidFill>
-                  <a:srgbClr val="222222"/>
-                </a:solidFill>
-                <a:effectLst/>
-                <a:latin typeface="Helvetica" panose="020B0604020202020204" pitchFamily="34" charset="0"/>
-              </a:rPr>
-              <a:t>Unfreeze</a:t>
-            </a:r>
-            <a:r>
-              <a:rPr kumimoji="0" lang="de-DE" altLang="de-DE" sz="1800" b="1" i="0" u="none" strike="noStrike" cap="none" normalizeH="0" baseline="0" dirty="0">
-                <a:ln>
-                  <a:noFill/>
-                </a:ln>
-                <a:solidFill>
-                  <a:srgbClr val="222222"/>
-                </a:solidFill>
-                <a:effectLst/>
-                <a:latin typeface="Helvetica" panose="020B0604020202020204" pitchFamily="34" charset="0"/>
-              </a:rPr>
-              <a:t> </a:t>
-            </a:r>
-            <a:r>
-              <a:rPr kumimoji="0" lang="de-DE" altLang="de-DE" sz="1800" b="1" i="0" u="none" strike="noStrike" cap="none" normalizeH="0" baseline="0" dirty="0" err="1">
-                <a:ln>
-                  <a:noFill/>
-                </a:ln>
-                <a:solidFill>
-                  <a:srgbClr val="222222"/>
-                </a:solidFill>
-                <a:effectLst/>
-                <a:latin typeface="Helvetica" panose="020B0604020202020204" pitchFamily="34" charset="0"/>
-              </a:rPr>
-              <a:t>model</a:t>
-            </a:r>
-            <a:endParaRPr kumimoji="0" lang="de-DE" altLang="de-DE" sz="1800" b="0" i="0" u="none" strike="noStrike" cap="none" normalizeH="0" baseline="0" dirty="0">
-              <a:ln>
-                <a:noFill/>
-              </a:ln>
-              <a:solidFill>
-                <a:srgbClr val="333333"/>
-              </a:solidFill>
-              <a:effectLst/>
-              <a:latin typeface="Consolas" panose="020B0609020204030204" pitchFamily="49" charset="0"/>
-            </a:endParaRPr>
-          </a:p>
-          <a:p>
-            <a:pPr marL="0" marR="0" lvl="0" indent="0" algn="l" defTabSz="914400" rtl="0" eaLnBrk="0" fontAlgn="base" latinLnBrk="0" hangingPunct="0">
-              <a:lnSpc>
-                <a:spcPct val="100000"/>
-              </a:lnSpc>
-              <a:spcBef>
-                <a:spcPct val="0"/>
-              </a:spcBef>
-              <a:spcAft>
-                <a:spcPct val="0"/>
-              </a:spcAft>
-              <a:buClrTx/>
-              <a:buSzTx/>
-              <a:buFontTx/>
-              <a:buNone/>
-              <a:tabLst/>
-            </a:pPr>
-            <a:r>
-              <a:rPr kumimoji="0" lang="de-DE" altLang="de-DE" sz="1800" b="0" i="0" u="none" strike="noStrike" cap="none" normalizeH="0" baseline="0" dirty="0" err="1">
-                <a:ln>
-                  <a:noFill/>
-                </a:ln>
-                <a:solidFill>
-                  <a:srgbClr val="333333"/>
-                </a:solidFill>
-                <a:effectLst/>
-                <a:latin typeface="Consolas" panose="020B0609020204030204" pitchFamily="49" charset="0"/>
-              </a:rPr>
-              <a:t>learn.unfreeze</a:t>
-            </a:r>
-            <a:r>
-              <a:rPr kumimoji="0" lang="de-DE" altLang="de-DE" sz="1800" b="0" i="0" u="none" strike="noStrike" cap="none" normalizeH="0" baseline="0" dirty="0">
-                <a:ln>
-                  <a:noFill/>
-                </a:ln>
-                <a:solidFill>
-                  <a:srgbClr val="333333"/>
-                </a:solidFill>
-                <a:effectLst/>
-                <a:latin typeface="Consolas" panose="020B0609020204030204" pitchFamily="49" charset="0"/>
-              </a:rPr>
-              <a:t>(...) </a:t>
-            </a:r>
-            <a:endParaRPr kumimoji="0" lang="de-DE" altLang="de-DE" sz="1800" b="0" i="0" u="none" strike="noStrike" cap="none" normalizeH="0" baseline="0" dirty="0">
-              <a:ln>
-                <a:noFill/>
-              </a:ln>
-              <a:solidFill>
-                <a:schemeClr val="tx1"/>
-              </a:solidFill>
-              <a:effectLst/>
-            </a:endParaRPr>
-          </a:p>
-          <a:p>
-            <a:pPr marL="0" marR="0" lvl="0" indent="0" algn="l" defTabSz="914400" rtl="0" eaLnBrk="0" fontAlgn="base" latinLnBrk="0" hangingPunct="0">
-              <a:lnSpc>
-                <a:spcPct val="100000"/>
-              </a:lnSpc>
-              <a:spcBef>
-                <a:spcPct val="0"/>
-              </a:spcBef>
-              <a:spcAft>
-                <a:spcPct val="0"/>
-              </a:spcAft>
-              <a:buClrTx/>
-              <a:buSzTx/>
-              <a:buFontTx/>
-              <a:buNone/>
-              <a:tabLst/>
-            </a:pPr>
-            <a:r>
-              <a:rPr lang="de-DE" altLang="de-DE" sz="1800" b="1" dirty="0">
-                <a:solidFill>
-                  <a:srgbClr val="222222"/>
-                </a:solidFill>
-                <a:latin typeface="Helvetica" panose="020B0604020202020204" pitchFamily="34" charset="0"/>
-              </a:rPr>
-              <a:t>5</a:t>
-            </a:r>
-            <a:r>
-              <a:rPr kumimoji="0" lang="de-DE" altLang="de-DE" sz="1800" b="1" i="0" u="none" strike="noStrike" cap="none" normalizeH="0" baseline="0" dirty="0">
-                <a:ln>
-                  <a:noFill/>
-                </a:ln>
-                <a:solidFill>
-                  <a:srgbClr val="222222"/>
-                </a:solidFill>
-                <a:effectLst/>
-                <a:latin typeface="Helvetica" panose="020B0604020202020204" pitchFamily="34" charset="0"/>
-              </a:rPr>
-              <a:t>. Find </a:t>
-            </a:r>
-            <a:r>
-              <a:rPr kumimoji="0" lang="de-DE" altLang="de-DE" sz="1800" b="1" i="0" u="none" strike="noStrike" cap="none" normalizeH="0" baseline="0" dirty="0" err="1">
-                <a:ln>
-                  <a:noFill/>
-                </a:ln>
-                <a:solidFill>
-                  <a:srgbClr val="222222"/>
-                </a:solidFill>
-                <a:effectLst/>
-                <a:latin typeface="Helvetica" panose="020B0604020202020204" pitchFamily="34" charset="0"/>
-              </a:rPr>
-              <a:t>good</a:t>
-            </a:r>
-            <a:r>
-              <a:rPr kumimoji="0" lang="de-DE" altLang="de-DE" sz="1800" b="1" i="0" u="none" strike="noStrike" cap="none" normalizeH="0" baseline="0" dirty="0">
-                <a:ln>
-                  <a:noFill/>
-                </a:ln>
-                <a:solidFill>
-                  <a:srgbClr val="222222"/>
-                </a:solidFill>
-                <a:effectLst/>
-                <a:latin typeface="Helvetica" panose="020B0604020202020204" pitchFamily="34" charset="0"/>
-              </a:rPr>
-              <a:t> </a:t>
-            </a:r>
-            <a:r>
-              <a:rPr kumimoji="0" lang="de-DE" altLang="de-DE" sz="1800" b="1" i="0" u="none" strike="noStrike" cap="none" normalizeH="0" baseline="0" dirty="0" err="1">
-                <a:ln>
-                  <a:noFill/>
-                </a:ln>
-                <a:solidFill>
-                  <a:srgbClr val="222222"/>
-                </a:solidFill>
-                <a:effectLst/>
-                <a:latin typeface="Helvetica" panose="020B0604020202020204" pitchFamily="34" charset="0"/>
-              </a:rPr>
-              <a:t>learning</a:t>
-            </a:r>
-            <a:r>
-              <a:rPr kumimoji="0" lang="de-DE" altLang="de-DE" sz="1800" b="1" i="0" u="none" strike="noStrike" cap="none" normalizeH="0" baseline="0" dirty="0">
-                <a:ln>
-                  <a:noFill/>
-                </a:ln>
-                <a:solidFill>
-                  <a:srgbClr val="222222"/>
-                </a:solidFill>
-                <a:effectLst/>
-                <a:latin typeface="Helvetica" panose="020B0604020202020204" pitchFamily="34" charset="0"/>
-              </a:rPr>
-              <a:t> rate(s)</a:t>
-            </a:r>
-            <a:endParaRPr kumimoji="0" lang="de-DE" altLang="de-DE" sz="1800" b="0" i="0" u="none" strike="noStrike" cap="none" normalizeH="0" baseline="0" dirty="0">
-              <a:ln>
-                <a:noFill/>
-              </a:ln>
-              <a:solidFill>
-                <a:srgbClr val="333333"/>
-              </a:solidFill>
-              <a:effectLst/>
-              <a:latin typeface="Consolas" panose="020B0609020204030204" pitchFamily="49" charset="0"/>
-            </a:endParaRPr>
-          </a:p>
-          <a:p>
-            <a:pPr marL="0" marR="0" lvl="0" indent="0" algn="l" defTabSz="914400" rtl="0" eaLnBrk="0" fontAlgn="base" latinLnBrk="0" hangingPunct="0">
-              <a:lnSpc>
-                <a:spcPct val="100000"/>
-              </a:lnSpc>
-              <a:spcBef>
-                <a:spcPct val="0"/>
-              </a:spcBef>
-              <a:spcAft>
-                <a:spcPct val="0"/>
-              </a:spcAft>
-              <a:buClrTx/>
-              <a:buSzTx/>
-              <a:buFontTx/>
-              <a:buNone/>
-              <a:tabLst/>
-            </a:pPr>
-            <a:r>
-              <a:rPr kumimoji="0" lang="de-DE" altLang="de-DE" sz="1800" b="0" i="0" u="none" strike="noStrike" cap="none" normalizeH="0" baseline="0" dirty="0" err="1">
-                <a:ln>
-                  <a:noFill/>
-                </a:ln>
-                <a:solidFill>
-                  <a:srgbClr val="333333"/>
-                </a:solidFill>
-                <a:effectLst/>
-                <a:latin typeface="Consolas" panose="020B0609020204030204" pitchFamily="49" charset="0"/>
-              </a:rPr>
-              <a:t>learn.lr_find</a:t>
-            </a:r>
-            <a:r>
-              <a:rPr kumimoji="0" lang="de-DE" altLang="de-DE" sz="1800" b="0" i="0" u="none" strike="noStrike" cap="none" normalizeH="0" baseline="0" dirty="0">
-                <a:ln>
-                  <a:noFill/>
-                </a:ln>
-                <a:solidFill>
-                  <a:srgbClr val="333333"/>
-                </a:solidFill>
-                <a:effectLst/>
-                <a:latin typeface="Consolas" panose="020B0609020204030204" pitchFamily="49" charset="0"/>
-              </a:rPr>
-              <a:t>(...) </a:t>
-            </a:r>
-            <a:endParaRPr kumimoji="0" lang="de-DE" altLang="de-DE" sz="1800" b="0" i="0" u="none" strike="noStrike" cap="none" normalizeH="0" baseline="0" dirty="0">
-              <a:ln>
-                <a:noFill/>
-              </a:ln>
-              <a:solidFill>
-                <a:schemeClr val="tx1"/>
-              </a:solidFill>
-              <a:effectLst/>
-            </a:endParaRPr>
-          </a:p>
-          <a:p>
-            <a:pPr marL="0" marR="0" lvl="0" indent="0" algn="l" defTabSz="914400" rtl="0" eaLnBrk="0" fontAlgn="base" latinLnBrk="0" hangingPunct="0">
-              <a:lnSpc>
-                <a:spcPct val="100000"/>
-              </a:lnSpc>
-              <a:spcBef>
-                <a:spcPct val="0"/>
-              </a:spcBef>
-              <a:spcAft>
-                <a:spcPct val="0"/>
-              </a:spcAft>
-              <a:buClrTx/>
-              <a:buSzTx/>
-              <a:buFontTx/>
-              <a:buNone/>
-              <a:tabLst/>
-            </a:pPr>
-            <a:r>
-              <a:rPr lang="de-DE" altLang="de-DE" sz="1800" b="1" dirty="0">
-                <a:solidFill>
-                  <a:srgbClr val="222222"/>
-                </a:solidFill>
-                <a:latin typeface="Helvetica" panose="020B0604020202020204" pitchFamily="34" charset="0"/>
-              </a:rPr>
-              <a:t>6</a:t>
-            </a:r>
-            <a:r>
-              <a:rPr kumimoji="0" lang="de-DE" altLang="de-DE" sz="1800" b="1" i="0" u="none" strike="noStrike" cap="none" normalizeH="0" baseline="0" dirty="0">
-                <a:ln>
-                  <a:noFill/>
-                </a:ln>
-                <a:solidFill>
-                  <a:srgbClr val="222222"/>
-                </a:solidFill>
-                <a:effectLst/>
-                <a:latin typeface="Helvetica" panose="020B0604020202020204" pitchFamily="34" charset="0"/>
-              </a:rPr>
-              <a:t>. Train </a:t>
-            </a:r>
-            <a:r>
-              <a:rPr kumimoji="0" lang="de-DE" altLang="de-DE" sz="1800" b="1" i="0" u="none" strike="noStrike" cap="none" normalizeH="0" baseline="0" dirty="0" err="1">
-                <a:ln>
-                  <a:noFill/>
-                </a:ln>
-                <a:solidFill>
-                  <a:srgbClr val="222222"/>
-                </a:solidFill>
-                <a:effectLst/>
-                <a:latin typeface="Helvetica" panose="020B0604020202020204" pitchFamily="34" charset="0"/>
-              </a:rPr>
-              <a:t>model</a:t>
-            </a:r>
-            <a:r>
-              <a:rPr kumimoji="0" lang="de-DE" altLang="de-DE" sz="1800" b="1" i="0" u="none" strike="noStrike" cap="none" normalizeH="0" baseline="0" dirty="0">
-                <a:ln>
-                  <a:noFill/>
-                </a:ln>
-                <a:solidFill>
-                  <a:srgbClr val="222222"/>
-                </a:solidFill>
-                <a:effectLst/>
-                <a:latin typeface="Helvetica" panose="020B0604020202020204" pitchFamily="34" charset="0"/>
-              </a:rPr>
-              <a:t> </a:t>
-            </a:r>
-            <a:r>
-              <a:rPr kumimoji="0" lang="de-DE" altLang="de-DE" sz="1800" b="1" i="0" u="none" strike="noStrike" cap="none" normalizeH="0" baseline="0" dirty="0" err="1">
-                <a:ln>
-                  <a:noFill/>
-                </a:ln>
-                <a:solidFill>
-                  <a:srgbClr val="222222"/>
-                </a:solidFill>
-                <a:effectLst/>
-                <a:latin typeface="Helvetica" panose="020B0604020202020204" pitchFamily="34" charset="0"/>
-              </a:rPr>
-              <a:t>again</a:t>
-            </a:r>
-            <a:endParaRPr kumimoji="0" lang="de-DE" altLang="de-DE" sz="1800" b="0" i="0" u="none" strike="noStrike" cap="none" normalizeH="0" baseline="0" dirty="0">
-              <a:ln>
-                <a:noFill/>
-              </a:ln>
-              <a:solidFill>
-                <a:srgbClr val="333333"/>
-              </a:solidFill>
-              <a:effectLst/>
-              <a:latin typeface="Consolas" panose="020B0609020204030204" pitchFamily="49" charset="0"/>
-            </a:endParaRPr>
-          </a:p>
-          <a:p>
-            <a:pPr marL="0" marR="0" lvl="0" indent="0" algn="l" defTabSz="914400" rtl="0" eaLnBrk="0" fontAlgn="base" latinLnBrk="0" hangingPunct="0">
-              <a:lnSpc>
-                <a:spcPct val="100000"/>
-              </a:lnSpc>
-              <a:spcBef>
-                <a:spcPct val="0"/>
-              </a:spcBef>
-              <a:spcAft>
-                <a:spcPct val="0"/>
-              </a:spcAft>
-              <a:buClrTx/>
-              <a:buSzTx/>
-              <a:buFontTx/>
-              <a:buNone/>
-              <a:tabLst/>
-            </a:pPr>
-            <a:r>
-              <a:rPr kumimoji="0" lang="de-DE" altLang="de-DE" sz="1800" b="0" i="0" u="none" strike="noStrike" cap="none" normalizeH="0" baseline="0" dirty="0" err="1">
-                <a:ln>
-                  <a:noFill/>
-                </a:ln>
-                <a:solidFill>
-                  <a:srgbClr val="333333"/>
-                </a:solidFill>
-                <a:effectLst/>
-                <a:latin typeface="Consolas" panose="020B0609020204030204" pitchFamily="49" charset="0"/>
-              </a:rPr>
-              <a:t>learn.fit_one_cycle</a:t>
-            </a:r>
-            <a:r>
-              <a:rPr kumimoji="0" lang="de-DE" altLang="de-DE" sz="1800" b="0" i="0" u="none" strike="noStrike" cap="none" normalizeH="0" baseline="0" dirty="0">
-                <a:ln>
-                  <a:noFill/>
-                </a:ln>
-                <a:solidFill>
-                  <a:srgbClr val="333333"/>
-                </a:solidFill>
-                <a:effectLst/>
-                <a:latin typeface="Consolas" panose="020B0609020204030204" pitchFamily="49" charset="0"/>
-              </a:rPr>
-              <a:t>(...) </a:t>
-            </a:r>
-            <a:endParaRPr kumimoji="0" lang="de-DE" altLang="de-DE" sz="1800" b="0" i="0" u="none" strike="noStrike" cap="none" normalizeH="0" baseline="0" dirty="0">
-              <a:ln>
-                <a:noFill/>
-              </a:ln>
-              <a:solidFill>
-                <a:schemeClr val="tx1"/>
-              </a:solidFill>
-              <a:effectLst/>
-            </a:endParaRPr>
-          </a:p>
-          <a:p>
-            <a:pPr marL="0" marR="0" lvl="0" indent="0" algn="l" defTabSz="914400" rtl="0" eaLnBrk="0" fontAlgn="base" latinLnBrk="0" hangingPunct="0">
-              <a:lnSpc>
-                <a:spcPct val="100000"/>
-              </a:lnSpc>
-              <a:spcBef>
-                <a:spcPct val="0"/>
-              </a:spcBef>
-              <a:spcAft>
-                <a:spcPct val="0"/>
-              </a:spcAft>
-              <a:buClrTx/>
-              <a:buSzTx/>
-              <a:buFontTx/>
-              <a:buNone/>
-              <a:tabLst/>
-            </a:pPr>
-            <a:r>
-              <a:rPr lang="de-DE" altLang="de-DE" sz="1800" b="1" dirty="0">
-                <a:solidFill>
-                  <a:srgbClr val="222222"/>
-                </a:solidFill>
-                <a:latin typeface="Helvetica" panose="020B0604020202020204" pitchFamily="34" charset="0"/>
-              </a:rPr>
-              <a:t>7</a:t>
-            </a:r>
-            <a:r>
-              <a:rPr kumimoji="0" lang="de-DE" altLang="de-DE" sz="1800" b="1" i="0" u="none" strike="noStrike" cap="none" normalizeH="0" baseline="0">
-                <a:ln>
-                  <a:noFill/>
-                </a:ln>
-                <a:solidFill>
-                  <a:srgbClr val="222222"/>
-                </a:solidFill>
-                <a:effectLst/>
-                <a:latin typeface="Helvetica" panose="020B0604020202020204" pitchFamily="34" charset="0"/>
-              </a:rPr>
-              <a:t>. </a:t>
-            </a:r>
-            <a:r>
-              <a:rPr kumimoji="0" lang="de-DE" altLang="de-DE" sz="1800" b="1" i="0" u="none" strike="noStrike" cap="none" normalizeH="0" baseline="0" dirty="0">
-                <a:ln>
-                  <a:noFill/>
-                </a:ln>
-                <a:solidFill>
-                  <a:srgbClr val="222222"/>
-                </a:solidFill>
-                <a:effectLst/>
-                <a:latin typeface="Helvetica" panose="020B0604020202020204" pitchFamily="34" charset="0"/>
-              </a:rPr>
-              <a:t>Analyze </a:t>
-            </a:r>
-            <a:r>
-              <a:rPr kumimoji="0" lang="de-DE" altLang="de-DE" sz="1800" b="1" i="0" u="none" strike="noStrike" cap="none" normalizeH="0" baseline="0" dirty="0" err="1">
-                <a:ln>
-                  <a:noFill/>
-                </a:ln>
-                <a:solidFill>
-                  <a:srgbClr val="222222"/>
-                </a:solidFill>
-                <a:effectLst/>
-                <a:latin typeface="Helvetica" panose="020B0604020202020204" pitchFamily="34" charset="0"/>
-              </a:rPr>
-              <a:t>the</a:t>
-            </a:r>
-            <a:r>
-              <a:rPr kumimoji="0" lang="de-DE" altLang="de-DE" sz="1800" b="1" i="0" u="none" strike="noStrike" cap="none" normalizeH="0" baseline="0" dirty="0">
-                <a:ln>
-                  <a:noFill/>
-                </a:ln>
-                <a:solidFill>
-                  <a:srgbClr val="222222"/>
-                </a:solidFill>
-                <a:effectLst/>
-                <a:latin typeface="Helvetica" panose="020B0604020202020204" pitchFamily="34" charset="0"/>
-              </a:rPr>
-              <a:t> </a:t>
-            </a:r>
-            <a:r>
-              <a:rPr kumimoji="0" lang="de-DE" altLang="de-DE" sz="1800" b="1" i="0" u="none" strike="noStrike" cap="none" normalizeH="0" baseline="0" dirty="0" err="1">
-                <a:ln>
-                  <a:noFill/>
-                </a:ln>
-                <a:solidFill>
-                  <a:srgbClr val="222222"/>
-                </a:solidFill>
-                <a:effectLst/>
-                <a:latin typeface="Helvetica" panose="020B0604020202020204" pitchFamily="34" charset="0"/>
-              </a:rPr>
-              <a:t>results</a:t>
-            </a:r>
-            <a:endParaRPr kumimoji="0" lang="de-DE" altLang="de-DE" sz="1800" b="0" i="0" u="none" strike="noStrike" cap="none" normalizeH="0" baseline="0" dirty="0">
-              <a:ln>
-                <a:noFill/>
-              </a:ln>
-              <a:solidFill>
-                <a:srgbClr val="333333"/>
-              </a:solidFill>
-              <a:effectLst/>
-              <a:latin typeface="Consolas" panose="020B0609020204030204" pitchFamily="49" charset="0"/>
-            </a:endParaRPr>
-          </a:p>
-          <a:p>
-            <a:pPr marL="0" marR="0" lvl="0" indent="0" algn="l" defTabSz="914400" rtl="0" eaLnBrk="0" fontAlgn="base" latinLnBrk="0" hangingPunct="0">
-              <a:lnSpc>
-                <a:spcPct val="100000"/>
-              </a:lnSpc>
-              <a:spcBef>
-                <a:spcPct val="0"/>
-              </a:spcBef>
-              <a:spcAft>
-                <a:spcPct val="0"/>
-              </a:spcAft>
-              <a:buClrTx/>
-              <a:buSzTx/>
-              <a:buFontTx/>
-              <a:buNone/>
-              <a:tabLst/>
-            </a:pPr>
-            <a:r>
-              <a:rPr kumimoji="0" lang="de-DE" altLang="de-DE" sz="1800" b="0" i="0" u="none" strike="noStrike" cap="none" normalizeH="0" baseline="0" dirty="0" err="1">
-                <a:ln>
-                  <a:noFill/>
-                </a:ln>
-                <a:solidFill>
-                  <a:srgbClr val="333333"/>
-                </a:solidFill>
-                <a:effectLst/>
-                <a:latin typeface="Consolas" panose="020B0609020204030204" pitchFamily="49" charset="0"/>
-              </a:rPr>
-              <a:t>ClassificationInterpretation.from_learner</a:t>
-            </a:r>
-            <a:r>
-              <a:rPr kumimoji="0" lang="de-DE" altLang="de-DE" sz="1800" b="0" i="0" u="none" strike="noStrike" cap="none" normalizeH="0" baseline="0" dirty="0">
-                <a:ln>
-                  <a:noFill/>
-                </a:ln>
-                <a:solidFill>
-                  <a:srgbClr val="333333"/>
-                </a:solidFill>
-                <a:effectLst/>
-                <a:latin typeface="Consolas" panose="020B0609020204030204" pitchFamily="49" charset="0"/>
-              </a:rPr>
-              <a:t>(...)</a:t>
-            </a:r>
-            <a:r>
-              <a:rPr kumimoji="0" lang="de-DE" altLang="de-DE" sz="1800" b="0" i="0" u="none" strike="noStrike" cap="none" normalizeH="0" baseline="0" dirty="0">
-                <a:ln>
-                  <a:noFill/>
-                </a:ln>
-                <a:solidFill>
-                  <a:schemeClr val="tx1"/>
-                </a:solidFill>
-                <a:effectLst/>
-              </a:rPr>
-              <a:t> </a:t>
-            </a:r>
-            <a:endParaRPr kumimoji="0" lang="de-DE" altLang="de-DE" sz="1800" b="0" i="0" u="none" strike="noStrike" cap="none" normalizeH="0" baseline="0" dirty="0">
-              <a:ln>
-                <a:noFill/>
-              </a:ln>
-              <a:solidFill>
-                <a:schemeClr val="tx1"/>
-              </a:solidFill>
-              <a:effectLst/>
-              <a:latin typeface="Arial" panose="020B0604020202020204" pitchFamily="34" charset="0"/>
-            </a:endParaRPr>
-          </a:p>
-        </p:txBody>
-      </p:sp>
-    </p:spTree>
-    <p:extLst>
-      <p:ext uri="{BB962C8B-B14F-4D97-AF65-F5344CB8AC3E}">
-        <p14:creationId xmlns:p14="http://schemas.microsoft.com/office/powerpoint/2010/main" val="1280156646"/>
-      </p:ext>
-    </p:extLst>
-  </p:cSld>
-  <p:clrMapOvr>
-    <a:masterClrMapping/>
-  </p:clrMapOvr>
-</p:sld>
-</file>
-
-<file path=ppt/slides/slide23.xml><?xml version="1.0" encoding="utf-8"?>
-<p:sld xmlns:a="http://schemas.openxmlformats.org/drawingml/2006/main" xmlns:r="http://schemas.openxmlformats.org/officeDocument/2006/relationships" xmlns:p="http://schemas.openxmlformats.org/presentationml/2006/main">
-  <p:cSld>
-    <p:spTree>
-      <p:nvGrpSpPr>
-        <p:cNvPr id="1" name=""/>
-        <p:cNvGrpSpPr/>
-        <p:nvPr/>
-      </p:nvGrpSpPr>
-      <p:grpSpPr>
-        <a:xfrm>
-          <a:off x="0" y="0"/>
-          <a:ext cx="0" cy="0"/>
-          <a:chOff x="0" y="0"/>
-          <a:chExt cx="0" cy="0"/>
-        </a:xfrm>
-      </p:grpSpPr>
-      <p:sp>
-        <p:nvSpPr>
-          <p:cNvPr id="2" name="Textplatzhalter 1">
-            <a:extLst>
-              <a:ext uri="{FF2B5EF4-FFF2-40B4-BE49-F238E27FC236}">
-                <a16:creationId xmlns:a16="http://schemas.microsoft.com/office/drawing/2014/main" id="{4D8ED3D8-47DE-4AD6-85D4-3495DF0628CB}"/>
-              </a:ext>
-            </a:extLst>
-          </p:cNvPr>
-          <p:cNvSpPr txBox="1">
-            <a:spLocks/>
-          </p:cNvSpPr>
-          <p:nvPr/>
-        </p:nvSpPr>
-        <p:spPr>
-          <a:xfrm>
-            <a:off x="1670695" y="412750"/>
-            <a:ext cx="5203825" cy="449262"/>
-          </a:xfrm>
-          <a:prstGeom prst="rect">
-            <a:avLst/>
-          </a:prstGeom>
-        </p:spPr>
-        <p:txBody>
-          <a:bodyPr/>
-          <a:lstStyle>
-            <a:lvl1pPr marL="190500" indent="-190500" algn="l" rtl="0" eaLnBrk="1" fontAlgn="base" hangingPunct="1">
-              <a:spcBef>
-                <a:spcPct val="20000"/>
-              </a:spcBef>
-              <a:spcAft>
-                <a:spcPct val="0"/>
-              </a:spcAft>
-              <a:buClr>
-                <a:srgbClr val="FFFFFF"/>
-              </a:buClr>
-              <a:buSzPct val="90000"/>
-              <a:buFont typeface="Times" charset="0"/>
-              <a:buChar char="•"/>
-              <a:defRPr sz="2000">
-                <a:solidFill>
-                  <a:schemeClr val="bg2"/>
-                </a:solidFill>
-                <a:latin typeface="+mn-lt"/>
-                <a:ea typeface="MS PGothic" pitchFamily="34" charset="-128"/>
-                <a:cs typeface="ＭＳ Ｐゴシック" charset="0"/>
-              </a:defRPr>
-            </a:lvl1pPr>
-            <a:lvl2pPr marL="569913" indent="-188913" algn="l" rtl="0" eaLnBrk="1" fontAlgn="base" hangingPunct="1">
-              <a:spcBef>
-                <a:spcPct val="20000"/>
-              </a:spcBef>
-              <a:spcAft>
-                <a:spcPct val="0"/>
-              </a:spcAft>
-              <a:buClr>
-                <a:srgbClr val="FFFFFF"/>
-              </a:buClr>
-              <a:buSzPct val="90000"/>
-              <a:buFont typeface="Times" charset="0"/>
-              <a:buChar char="•"/>
-              <a:defRPr sz="2000">
-                <a:solidFill>
-                  <a:schemeClr val="bg2"/>
-                </a:solidFill>
-                <a:latin typeface="+mn-lt"/>
-                <a:ea typeface="MS PGothic" pitchFamily="34" charset="-128"/>
-              </a:defRPr>
-            </a:lvl2pPr>
-            <a:lvl3pPr marL="947738" indent="-187325" algn="l" rtl="0" eaLnBrk="1" fontAlgn="base" hangingPunct="1">
-              <a:spcBef>
-                <a:spcPct val="20000"/>
-              </a:spcBef>
-              <a:spcAft>
-                <a:spcPct val="0"/>
-              </a:spcAft>
-              <a:buClr>
-                <a:srgbClr val="FFFFFF"/>
-              </a:buClr>
-              <a:buSzPct val="90000"/>
-              <a:buFont typeface="Times" charset="0"/>
-              <a:buChar char="•"/>
-              <a:defRPr sz="2000">
-                <a:solidFill>
-                  <a:schemeClr val="bg2"/>
-                </a:solidFill>
-                <a:latin typeface="+mn-lt"/>
-                <a:ea typeface="MS PGothic" pitchFamily="34" charset="-128"/>
-              </a:defRPr>
-            </a:lvl3pPr>
-            <a:lvl4pPr marL="1323975" indent="-185738" algn="l" rtl="0" eaLnBrk="1" fontAlgn="base" hangingPunct="1">
-              <a:spcBef>
-                <a:spcPct val="20000"/>
-              </a:spcBef>
-              <a:spcAft>
-                <a:spcPct val="0"/>
-              </a:spcAft>
-              <a:buClr>
-                <a:srgbClr val="FFFFFF"/>
-              </a:buClr>
-              <a:buSzPct val="90000"/>
-              <a:buFont typeface="Times" charset="0"/>
-              <a:buChar char="•"/>
-              <a:defRPr sz="2000">
-                <a:solidFill>
-                  <a:schemeClr val="bg2"/>
-                </a:solidFill>
-                <a:latin typeface="+mn-lt"/>
-                <a:ea typeface="MS PGothic" pitchFamily="34" charset="-128"/>
-              </a:defRPr>
-            </a:lvl4pPr>
-            <a:lvl5pPr marL="1792288" indent="-277813" algn="l" rtl="0" eaLnBrk="1" fontAlgn="base" hangingPunct="1">
-              <a:spcBef>
-                <a:spcPct val="20000"/>
-              </a:spcBef>
-              <a:spcAft>
-                <a:spcPct val="0"/>
-              </a:spcAft>
-              <a:buClr>
-                <a:srgbClr val="FFFFFF"/>
-              </a:buClr>
-              <a:buSzPct val="90000"/>
-              <a:buFont typeface="Times" charset="0"/>
-              <a:buChar char="•"/>
-              <a:defRPr sz="2000">
-                <a:solidFill>
-                  <a:schemeClr val="bg2"/>
-                </a:solidFill>
-                <a:latin typeface="+mn-lt"/>
-                <a:ea typeface="MS PGothic" pitchFamily="34" charset="-128"/>
-              </a:defRPr>
-            </a:lvl5pPr>
-            <a:lvl6pPr marL="2249488" indent="-277813" algn="l" rtl="0" eaLnBrk="1" fontAlgn="base" hangingPunct="1">
-              <a:spcBef>
-                <a:spcPct val="20000"/>
-              </a:spcBef>
-              <a:spcAft>
-                <a:spcPct val="0"/>
-              </a:spcAft>
-              <a:buClr>
-                <a:srgbClr val="FFFFFF"/>
-              </a:buClr>
-              <a:buSzPct val="90000"/>
-              <a:buFont typeface="Times" charset="0"/>
-              <a:buChar char="•"/>
-              <a:defRPr sz="2000">
-                <a:solidFill>
-                  <a:schemeClr val="bg2"/>
-                </a:solidFill>
-                <a:latin typeface="+mn-lt"/>
-                <a:ea typeface="+mn-ea"/>
-              </a:defRPr>
-            </a:lvl6pPr>
-            <a:lvl7pPr marL="2706688" indent="-277813" algn="l" rtl="0" eaLnBrk="1" fontAlgn="base" hangingPunct="1">
-              <a:spcBef>
-                <a:spcPct val="20000"/>
-              </a:spcBef>
-              <a:spcAft>
-                <a:spcPct val="0"/>
-              </a:spcAft>
-              <a:buClr>
-                <a:srgbClr val="FFFFFF"/>
-              </a:buClr>
-              <a:buSzPct val="90000"/>
-              <a:buFont typeface="Times" charset="0"/>
-              <a:buChar char="•"/>
-              <a:defRPr sz="2000">
-                <a:solidFill>
-                  <a:schemeClr val="bg2"/>
-                </a:solidFill>
-                <a:latin typeface="+mn-lt"/>
-                <a:ea typeface="+mn-ea"/>
-              </a:defRPr>
-            </a:lvl7pPr>
-            <a:lvl8pPr marL="3163888" indent="-277813" algn="l" rtl="0" eaLnBrk="1" fontAlgn="base" hangingPunct="1">
-              <a:spcBef>
-                <a:spcPct val="20000"/>
-              </a:spcBef>
-              <a:spcAft>
-                <a:spcPct val="0"/>
-              </a:spcAft>
-              <a:buClr>
-                <a:srgbClr val="FFFFFF"/>
-              </a:buClr>
-              <a:buSzPct val="90000"/>
-              <a:buFont typeface="Times" charset="0"/>
-              <a:buChar char="•"/>
-              <a:defRPr sz="2000">
-                <a:solidFill>
-                  <a:schemeClr val="bg2"/>
-                </a:solidFill>
-                <a:latin typeface="+mn-lt"/>
-                <a:ea typeface="+mn-ea"/>
-              </a:defRPr>
-            </a:lvl8pPr>
-            <a:lvl9pPr marL="3621088" indent="-277813" algn="l" rtl="0" eaLnBrk="1" fontAlgn="base" hangingPunct="1">
-              <a:spcBef>
-                <a:spcPct val="20000"/>
-              </a:spcBef>
-              <a:spcAft>
-                <a:spcPct val="0"/>
-              </a:spcAft>
-              <a:buClr>
-                <a:srgbClr val="FFFFFF"/>
-              </a:buClr>
-              <a:buSzPct val="90000"/>
-              <a:buFont typeface="Times" charset="0"/>
-              <a:buChar char="•"/>
-              <a:defRPr sz="2000">
-                <a:solidFill>
-                  <a:schemeClr val="bg2"/>
-                </a:solidFill>
-                <a:latin typeface="+mn-lt"/>
-                <a:ea typeface="+mn-ea"/>
-              </a:defRPr>
-            </a:lvl9pPr>
-          </a:lstStyle>
-          <a:p>
-            <a:pPr marL="0" indent="0">
-              <a:buNone/>
-            </a:pPr>
-            <a:r>
-              <a:rPr lang="de-DE" kern="0" dirty="0"/>
               <a:t>Next </a:t>
             </a:r>
             <a:r>
@@ -19697,7 +18142,7 @@
 </p:sld>
 </file>
 
-<file path=ppt/slides/slide24.xml><?xml version="1.0" encoding="utf-8"?>
+<file path=ppt/slides/slide23.xml><?xml version="1.0" encoding="utf-8"?>
 <p:sld xmlns:a="http://schemas.openxmlformats.org/drawingml/2006/main" xmlns:r="http://schemas.openxmlformats.org/officeDocument/2006/relationships" xmlns:p="http://schemas.openxmlformats.org/presentationml/2006/main">
   <p:cSld>
     <p:spTree>
@@ -21753,7 +20198,7 @@
               <a:rPr lang="en-US" sz="1800" dirty="0">
                 <a:latin typeface="+mj-lt"/>
               </a:rPr>
-              <a:t>Create our own Classifier for a custom Data Set using the fast.ai library </a:t>
+              <a:t>Create our own Classifier for a custom data set using the fast.ai library </a:t>
             </a:r>
           </a:p>
           <a:p>
@@ -24327,7 +22772,7 @@
             </a:pPr>
             <a:r>
               <a:rPr lang="de-DE" kern="0" dirty="0"/>
-              <a:t>KI? </a:t>
+              <a:t>AI? </a:t>
             </a:r>
             <a:r>
               <a:rPr lang="de-DE" kern="0" dirty="0" err="1"/>
@@ -26624,36 +25069,6 @@
 </file>
 
 <file path=customXml/item1.xml><?xml version="1.0" encoding="utf-8"?>
-<p:properties xmlns:p="http://schemas.microsoft.com/office/2006/metadata/properties" xmlns:xsi="http://www.w3.org/2001/XMLSchema-instance" xmlns:pc="http://schemas.microsoft.com/office/infopath/2007/PartnerControls">
-  <documentManagement>
-    <Sprache xmlns="3a707376-506f-4a54-80e5-a7ee0ccf0c22">2</Sprache>
-    <Schlagwort xmlns="3a707376-506f-4a54-80e5-a7ee0ccf0c22">
-      <Value>149</Value>
-      <Value>155</Value>
-      <Value>1</Value>
-      <Value>150</Value>
-      <Value>401</Value>
-    </Schlagwort>
-    <Dokumentart xmlns="3a707376-506f-4a54-80e5-a7ee0ccf0c22">2</Dokumentart>
-    <Lebenslage xmlns="3a707376-506f-4a54-80e5-a7ee0ccf0c22"/>
-  </documentManagement>
-</p:properties>
-</file>
-
-<file path=customXml/item2.xml><?xml version="1.0" encoding="utf-8"?>
-<LongProperties xmlns="http://schemas.microsoft.com/office/2006/metadata/longProperties"/>
-</file>
-
-<file path=customXml/item3.xml><?xml version="1.0" encoding="utf-8"?>
-<?mso-contentType ?>
-<FormTemplates xmlns="http://schemas.microsoft.com/sharepoint/v3/contenttype/forms">
-  <Display>DocumentLibraryForm</Display>
-  <Edit>DocumentLibraryForm</Edit>
-  <New>DocumentLibraryForm</New>
-</FormTemplates>
-</file>
-
-<file path=customXml/item4.xml><?xml version="1.0" encoding="utf-8"?>
 <ct:contentTypeSchema xmlns:ct="http://schemas.microsoft.com/office/2006/metadata/contentType" xmlns:ma="http://schemas.microsoft.com/office/2006/metadata/properties/metaAttributes" ct:_="" ma:_="" ma:contentTypeName="Dokument" ma:contentTypeID="0x0101003BB9829B882D5140ABCB1E6D3420C654" ma:contentTypeVersion="3" ma:contentTypeDescription="Ein neues Dokument erstellen." ma:contentTypeScope="" ma:versionID="1ff9e6813f6a021bde9a3ac2c4138494">
   <xsd:schema xmlns:xsd="http://www.w3.org/2001/XMLSchema" xmlns:xs="http://www.w3.org/2001/XMLSchema" xmlns:p="http://schemas.microsoft.com/office/2006/metadata/properties" xmlns:ns2="3a707376-506f-4a54-80e5-a7ee0ccf0c22" targetNamespace="http://schemas.microsoft.com/office/2006/metadata/properties" ma:root="true" ma:fieldsID="883b05fc9c717fcbf1c87f95fccc8ba6" ns2:_="">
     <xsd:import namespace="3a707376-506f-4a54-80e5-a7ee0ccf0c22"/>
@@ -26809,39 +25224,36 @@
 </ct:contentTypeSchema>
 </file>
 
-<file path=customXml/itemProps1.xml><?xml version="1.0" encoding="utf-8"?>
-<ds:datastoreItem xmlns:ds="http://schemas.openxmlformats.org/officeDocument/2006/customXml" ds:itemID="{8B23F52C-5CAB-4CE9-91C6-B93D58415B2B}">
-  <ds:schemaRefs>
-    <ds:schemaRef ds:uri="http://schemas.microsoft.com/office/2006/documentManagement/types"/>
-    <ds:schemaRef ds:uri="http://purl.org/dc/dcmitype/"/>
-    <ds:schemaRef ds:uri="http://schemas.microsoft.com/office/infopath/2007/PartnerControls"/>
-    <ds:schemaRef ds:uri="http://purl.org/dc/terms/"/>
-    <ds:schemaRef ds:uri="http://www.w3.org/XML/1998/namespace"/>
-    <ds:schemaRef ds:uri="http://purl.org/dc/elements/1.1/"/>
-    <ds:schemaRef ds:uri="3a707376-506f-4a54-80e5-a7ee0ccf0c22"/>
-    <ds:schemaRef ds:uri="http://schemas.openxmlformats.org/package/2006/metadata/core-properties"/>
-    <ds:schemaRef ds:uri="http://schemas.microsoft.com/office/2006/metadata/properties"/>
-  </ds:schemaRefs>
-</ds:datastoreItem>
+<file path=customXml/item2.xml><?xml version="1.0" encoding="utf-8"?>
+<?mso-contentType ?>
+<FormTemplates xmlns="http://schemas.microsoft.com/sharepoint/v3/contenttype/forms">
+  <Display>DocumentLibraryForm</Display>
+  <Edit>DocumentLibraryForm</Edit>
+  <New>DocumentLibraryForm</New>
+</FormTemplates>
 </file>
 
-<file path=customXml/itemProps2.xml><?xml version="1.0" encoding="utf-8"?>
-<ds:datastoreItem xmlns:ds="http://schemas.openxmlformats.org/officeDocument/2006/customXml" ds:itemID="{127EC1BB-5971-4167-BF15-3110E1B5EC85}">
-  <ds:schemaRefs>
-    <ds:schemaRef ds:uri="http://schemas.microsoft.com/office/2006/metadata/longProperties"/>
-  </ds:schemaRefs>
-</ds:datastoreItem>
+<file path=customXml/item3.xml><?xml version="1.0" encoding="utf-8"?>
+<LongProperties xmlns="http://schemas.microsoft.com/office/2006/metadata/longProperties"/>
 </file>
 
-<file path=customXml/itemProps3.xml><?xml version="1.0" encoding="utf-8"?>
-<ds:datastoreItem xmlns:ds="http://schemas.openxmlformats.org/officeDocument/2006/customXml" ds:itemID="{EE7FB4F2-1982-4D8F-808C-8CBCA3F07F59}">
-  <ds:schemaRefs>
-    <ds:schemaRef ds:uri="http://schemas.microsoft.com/sharepoint/v3/contenttype/forms"/>
-  </ds:schemaRefs>
-</ds:datastoreItem>
+<file path=customXml/item4.xml><?xml version="1.0" encoding="utf-8"?>
+<p:properties xmlns:p="http://schemas.microsoft.com/office/2006/metadata/properties" xmlns:xsi="http://www.w3.org/2001/XMLSchema-instance" xmlns:pc="http://schemas.microsoft.com/office/infopath/2007/PartnerControls">
+  <documentManagement>
+    <Sprache xmlns="3a707376-506f-4a54-80e5-a7ee0ccf0c22">2</Sprache>
+    <Schlagwort xmlns="3a707376-506f-4a54-80e5-a7ee0ccf0c22">
+      <Value>149</Value>
+      <Value>155</Value>
+      <Value>1</Value>
+      <Value>150</Value>
+    </Schlagwort>
+    <Dokumentart xmlns="3a707376-506f-4a54-80e5-a7ee0ccf0c22">2</Dokumentart>
+    <Lebenslage xmlns="3a707376-506f-4a54-80e5-a7ee0ccf0c22"/>
+  </documentManagement>
+</p:properties>
 </file>
 
-<file path=customXml/itemProps4.xml><?xml version="1.0" encoding="utf-8"?>
+<file path=customXml/itemProps1.xml><?xml version="1.0" encoding="utf-8"?>
 <ds:datastoreItem xmlns:ds="http://schemas.openxmlformats.org/officeDocument/2006/customXml" ds:itemID="{F638B940-93D4-47E6-9135-8BE1E84088CA}">
   <ds:schemaRefs>
     <ds:schemaRef ds:uri="http://schemas.microsoft.com/office/2006/metadata/contentType"/>
@@ -26857,4 +25269,36 @@
     <ds:schemaRef ds:uri="http://schemas.microsoft.com/internal/obd"/>
   </ds:schemaRefs>
 </ds:datastoreItem>
+</file>
+
+<file path=customXml/itemProps2.xml><?xml version="1.0" encoding="utf-8"?>
+<ds:datastoreItem xmlns:ds="http://schemas.openxmlformats.org/officeDocument/2006/customXml" ds:itemID="{EE7FB4F2-1982-4D8F-808C-8CBCA3F07F59}">
+  <ds:schemaRefs>
+    <ds:schemaRef ds:uri="http://schemas.microsoft.com/sharepoint/v3/contenttype/forms"/>
+  </ds:schemaRefs>
+</ds:datastoreItem>
+</file>
+
+<file path=customXml/itemProps3.xml><?xml version="1.0" encoding="utf-8"?>
+<ds:datastoreItem xmlns:ds="http://schemas.openxmlformats.org/officeDocument/2006/customXml" ds:itemID="{127EC1BB-5971-4167-BF15-3110E1B5EC85}">
+  <ds:schemaRefs>
+    <ds:schemaRef ds:uri="http://schemas.microsoft.com/office/2006/metadata/longProperties"/>
+  </ds:schemaRefs>
+</ds:datastoreItem>
+</file>
+
+<file path=customXml/itemProps4.xml><?xml version="1.0" encoding="utf-8"?>
+<ds:datastoreItem xmlns:ds="http://schemas.openxmlformats.org/officeDocument/2006/customXml" ds:itemID="{8B23F52C-5CAB-4CE9-91C6-B93D58415B2B}">
+  <ds:schemaRefs>
+    <ds:schemaRef ds:uri="http://schemas.openxmlformats.org/package/2006/metadata/core-properties"/>
+    <ds:schemaRef ds:uri="http://purl.org/dc/terms/"/>
+    <ds:schemaRef ds:uri="http://schemas.microsoft.com/office/infopath/2007/PartnerControls"/>
+    <ds:schemaRef ds:uri="http://schemas.microsoft.com/office/2006/documentManagement/types"/>
+    <ds:schemaRef ds:uri="http://purl.org/dc/elements/1.1/"/>
+    <ds:schemaRef ds:uri="http://schemas.microsoft.com/office/2006/metadata/properties"/>
+    <ds:schemaRef ds:uri="3a707376-506f-4a54-80e5-a7ee0ccf0c22"/>
+    <ds:schemaRef ds:uri="http://www.w3.org/XML/1998/namespace"/>
+    <ds:schemaRef ds:uri="http://purl.org/dc/dcmitype/"/>
+  </ds:schemaRefs>
+</ds:datastoreItem>
 </file>